--- a/Maxima and Minima.pptx
+++ b/Maxima and Minima.pptx
@@ -116,7 +116,7 @@
   </p:defaultTextStyle>
   <p:extLst>
     <p:ext uri="{EFAFB233-063F-42B5-8137-9DF3F51BA10A}">
-      <p15:sldGuideLst xmlns:p15="http://schemas.microsoft.com/office/powerpoint/2012/main"/>
+      <p15:sldGuideLst xmlns:p15="http://schemas.microsoft.com/office/powerpoint/2012/main" xmlns=""/>
     </p:ext>
   </p:extLst>
 </p:presentation>
@@ -227,7 +227,7 @@
           <p:cNvPr id="2" name="Title 1">
             <a:extLst>
               <a:ext uri="{FF2B5EF4-FFF2-40B4-BE49-F238E27FC236}">
-                <a16:creationId xmlns:a16="http://schemas.microsoft.com/office/drawing/2014/main" id="{F5ADB1E3-F9DC-F61C-2D1F-10C49477BB43}"/>
+                <a16:creationId xmlns:a16="http://schemas.microsoft.com/office/drawing/2014/main" xmlns="" id="{F5ADB1E3-F9DC-F61C-2D1F-10C49477BB43}"/>
               </a:ext>
             </a:extLst>
           </p:cNvPr>
@@ -264,7 +264,7 @@
           <p:cNvPr id="3" name="Subtitle 2">
             <a:extLst>
               <a:ext uri="{FF2B5EF4-FFF2-40B4-BE49-F238E27FC236}">
-                <a16:creationId xmlns:a16="http://schemas.microsoft.com/office/drawing/2014/main" id="{6FAD8CAA-6997-BF70-A942-DDA58104CDB5}"/>
+                <a16:creationId xmlns:a16="http://schemas.microsoft.com/office/drawing/2014/main" xmlns="" id="{6FAD8CAA-6997-BF70-A942-DDA58104CDB5}"/>
               </a:ext>
             </a:extLst>
           </p:cNvPr>
@@ -334,7 +334,7 @@
           <p:cNvPr id="4" name="Date Placeholder 3">
             <a:extLst>
               <a:ext uri="{FF2B5EF4-FFF2-40B4-BE49-F238E27FC236}">
-                <a16:creationId xmlns:a16="http://schemas.microsoft.com/office/drawing/2014/main" id="{C93B353A-C9DA-88BA-AF8E-3283CA6BFB63}"/>
+                <a16:creationId xmlns:a16="http://schemas.microsoft.com/office/drawing/2014/main" xmlns="" id="{C93B353A-C9DA-88BA-AF8E-3283CA6BFB63}"/>
               </a:ext>
             </a:extLst>
           </p:cNvPr>
@@ -363,7 +363,7 @@
           <p:cNvPr id="5" name="Footer Placeholder 4">
             <a:extLst>
               <a:ext uri="{FF2B5EF4-FFF2-40B4-BE49-F238E27FC236}">
-                <a16:creationId xmlns:a16="http://schemas.microsoft.com/office/drawing/2014/main" id="{6896F597-989C-738C-DFFC-92AF870CE59E}"/>
+                <a16:creationId xmlns:a16="http://schemas.microsoft.com/office/drawing/2014/main" xmlns="" id="{6896F597-989C-738C-DFFC-92AF870CE59E}"/>
               </a:ext>
             </a:extLst>
           </p:cNvPr>
@@ -388,7 +388,7 @@
           <p:cNvPr id="6" name="Slide Number Placeholder 5">
             <a:extLst>
               <a:ext uri="{FF2B5EF4-FFF2-40B4-BE49-F238E27FC236}">
-                <a16:creationId xmlns:a16="http://schemas.microsoft.com/office/drawing/2014/main" id="{0F5D36B3-A34A-1BFF-0ABE-DC6B2E3F6C1D}"/>
+                <a16:creationId xmlns:a16="http://schemas.microsoft.com/office/drawing/2014/main" xmlns="" id="{0F5D36B3-A34A-1BFF-0ABE-DC6B2E3F6C1D}"/>
               </a:ext>
             </a:extLst>
           </p:cNvPr>
@@ -447,7 +447,7 @@
           <p:cNvPr id="2" name="Title 1">
             <a:extLst>
               <a:ext uri="{FF2B5EF4-FFF2-40B4-BE49-F238E27FC236}">
-                <a16:creationId xmlns:a16="http://schemas.microsoft.com/office/drawing/2014/main" id="{15011714-3B95-0EE6-CF13-72ACEDCFE1AE}"/>
+                <a16:creationId xmlns:a16="http://schemas.microsoft.com/office/drawing/2014/main" xmlns="" id="{15011714-3B95-0EE6-CF13-72ACEDCFE1AE}"/>
               </a:ext>
             </a:extLst>
           </p:cNvPr>
@@ -475,7 +475,7 @@
           <p:cNvPr id="3" name="Vertical Text Placeholder 2">
             <a:extLst>
               <a:ext uri="{FF2B5EF4-FFF2-40B4-BE49-F238E27FC236}">
-                <a16:creationId xmlns:a16="http://schemas.microsoft.com/office/drawing/2014/main" id="{C9C9B911-B7A1-C18F-2B0C-55808599BE5F}"/>
+                <a16:creationId xmlns:a16="http://schemas.microsoft.com/office/drawing/2014/main" xmlns="" id="{C9C9B911-B7A1-C18F-2B0C-55808599BE5F}"/>
               </a:ext>
             </a:extLst>
           </p:cNvPr>
@@ -532,7 +532,7 @@
           <p:cNvPr id="4" name="Date Placeholder 3">
             <a:extLst>
               <a:ext uri="{FF2B5EF4-FFF2-40B4-BE49-F238E27FC236}">
-                <a16:creationId xmlns:a16="http://schemas.microsoft.com/office/drawing/2014/main" id="{3DF4895D-00D2-F139-E7F9-AC2D69735579}"/>
+                <a16:creationId xmlns:a16="http://schemas.microsoft.com/office/drawing/2014/main" xmlns="" id="{3DF4895D-00D2-F139-E7F9-AC2D69735579}"/>
               </a:ext>
             </a:extLst>
           </p:cNvPr>
@@ -561,7 +561,7 @@
           <p:cNvPr id="5" name="Footer Placeholder 4">
             <a:extLst>
               <a:ext uri="{FF2B5EF4-FFF2-40B4-BE49-F238E27FC236}">
-                <a16:creationId xmlns:a16="http://schemas.microsoft.com/office/drawing/2014/main" id="{1BB0065F-3829-78DB-969E-1211B44E7425}"/>
+                <a16:creationId xmlns:a16="http://schemas.microsoft.com/office/drawing/2014/main" xmlns="" id="{1BB0065F-3829-78DB-969E-1211B44E7425}"/>
               </a:ext>
             </a:extLst>
           </p:cNvPr>
@@ -586,7 +586,7 @@
           <p:cNvPr id="6" name="Slide Number Placeholder 5">
             <a:extLst>
               <a:ext uri="{FF2B5EF4-FFF2-40B4-BE49-F238E27FC236}">
-                <a16:creationId xmlns:a16="http://schemas.microsoft.com/office/drawing/2014/main" id="{F6351492-6F99-02FF-A1A9-51EA3617E9D3}"/>
+                <a16:creationId xmlns:a16="http://schemas.microsoft.com/office/drawing/2014/main" xmlns="" id="{F6351492-6F99-02FF-A1A9-51EA3617E9D3}"/>
               </a:ext>
             </a:extLst>
           </p:cNvPr>
@@ -645,7 +645,7 @@
           <p:cNvPr id="2" name="Vertical Title 1">
             <a:extLst>
               <a:ext uri="{FF2B5EF4-FFF2-40B4-BE49-F238E27FC236}">
-                <a16:creationId xmlns:a16="http://schemas.microsoft.com/office/drawing/2014/main" id="{27437C11-01B8-128D-F617-FE08944A6B44}"/>
+                <a16:creationId xmlns:a16="http://schemas.microsoft.com/office/drawing/2014/main" xmlns="" id="{27437C11-01B8-128D-F617-FE08944A6B44}"/>
               </a:ext>
             </a:extLst>
           </p:cNvPr>
@@ -678,7 +678,7 @@
           <p:cNvPr id="3" name="Vertical Text Placeholder 2">
             <a:extLst>
               <a:ext uri="{FF2B5EF4-FFF2-40B4-BE49-F238E27FC236}">
-                <a16:creationId xmlns:a16="http://schemas.microsoft.com/office/drawing/2014/main" id="{B345D86E-4D34-484D-B817-E10661352DDB}"/>
+                <a16:creationId xmlns:a16="http://schemas.microsoft.com/office/drawing/2014/main" xmlns="" id="{B345D86E-4D34-484D-B817-E10661352DDB}"/>
               </a:ext>
             </a:extLst>
           </p:cNvPr>
@@ -740,7 +740,7 @@
           <p:cNvPr id="4" name="Date Placeholder 3">
             <a:extLst>
               <a:ext uri="{FF2B5EF4-FFF2-40B4-BE49-F238E27FC236}">
-                <a16:creationId xmlns:a16="http://schemas.microsoft.com/office/drawing/2014/main" id="{8CB37BE0-0900-7F88-83F8-70E18613B20E}"/>
+                <a16:creationId xmlns:a16="http://schemas.microsoft.com/office/drawing/2014/main" xmlns="" id="{8CB37BE0-0900-7F88-83F8-70E18613B20E}"/>
               </a:ext>
             </a:extLst>
           </p:cNvPr>
@@ -769,7 +769,7 @@
           <p:cNvPr id="5" name="Footer Placeholder 4">
             <a:extLst>
               <a:ext uri="{FF2B5EF4-FFF2-40B4-BE49-F238E27FC236}">
-                <a16:creationId xmlns:a16="http://schemas.microsoft.com/office/drawing/2014/main" id="{E41034F7-5F85-B543-9FC0-6BED34004F37}"/>
+                <a16:creationId xmlns:a16="http://schemas.microsoft.com/office/drawing/2014/main" xmlns="" id="{E41034F7-5F85-B543-9FC0-6BED34004F37}"/>
               </a:ext>
             </a:extLst>
           </p:cNvPr>
@@ -794,7 +794,7 @@
           <p:cNvPr id="6" name="Slide Number Placeholder 5">
             <a:extLst>
               <a:ext uri="{FF2B5EF4-FFF2-40B4-BE49-F238E27FC236}">
-                <a16:creationId xmlns:a16="http://schemas.microsoft.com/office/drawing/2014/main" id="{21448C5D-DBF7-5CE5-1E10-16FEFA152BE1}"/>
+                <a16:creationId xmlns:a16="http://schemas.microsoft.com/office/drawing/2014/main" xmlns="" id="{21448C5D-DBF7-5CE5-1E10-16FEFA152BE1}"/>
               </a:ext>
             </a:extLst>
           </p:cNvPr>
@@ -853,7 +853,7 @@
           <p:cNvPr id="2" name="Title 1">
             <a:extLst>
               <a:ext uri="{FF2B5EF4-FFF2-40B4-BE49-F238E27FC236}">
-                <a16:creationId xmlns:a16="http://schemas.microsoft.com/office/drawing/2014/main" id="{1838B8A3-147F-1E0B-79A2-1DE3A2CB79F8}"/>
+                <a16:creationId xmlns:a16="http://schemas.microsoft.com/office/drawing/2014/main" xmlns="" id="{1838B8A3-147F-1E0B-79A2-1DE3A2CB79F8}"/>
               </a:ext>
             </a:extLst>
           </p:cNvPr>
@@ -881,7 +881,7 @@
           <p:cNvPr id="3" name="Content Placeholder 2">
             <a:extLst>
               <a:ext uri="{FF2B5EF4-FFF2-40B4-BE49-F238E27FC236}">
-                <a16:creationId xmlns:a16="http://schemas.microsoft.com/office/drawing/2014/main" id="{2360597C-E9FD-B0EE-F566-B3AB58FB51FC}"/>
+                <a16:creationId xmlns:a16="http://schemas.microsoft.com/office/drawing/2014/main" xmlns="" id="{2360597C-E9FD-B0EE-F566-B3AB58FB51FC}"/>
               </a:ext>
             </a:extLst>
           </p:cNvPr>
@@ -938,7 +938,7 @@
           <p:cNvPr id="4" name="Date Placeholder 3">
             <a:extLst>
               <a:ext uri="{FF2B5EF4-FFF2-40B4-BE49-F238E27FC236}">
-                <a16:creationId xmlns:a16="http://schemas.microsoft.com/office/drawing/2014/main" id="{929951D3-CB6A-8DE9-D0D3-65F3DFDA2B6D}"/>
+                <a16:creationId xmlns:a16="http://schemas.microsoft.com/office/drawing/2014/main" xmlns="" id="{929951D3-CB6A-8DE9-D0D3-65F3DFDA2B6D}"/>
               </a:ext>
             </a:extLst>
           </p:cNvPr>
@@ -967,7 +967,7 @@
           <p:cNvPr id="5" name="Footer Placeholder 4">
             <a:extLst>
               <a:ext uri="{FF2B5EF4-FFF2-40B4-BE49-F238E27FC236}">
-                <a16:creationId xmlns:a16="http://schemas.microsoft.com/office/drawing/2014/main" id="{AF7049B5-E914-73C8-496C-A590B18DF4C4}"/>
+                <a16:creationId xmlns:a16="http://schemas.microsoft.com/office/drawing/2014/main" xmlns="" id="{AF7049B5-E914-73C8-496C-A590B18DF4C4}"/>
               </a:ext>
             </a:extLst>
           </p:cNvPr>
@@ -992,7 +992,7 @@
           <p:cNvPr id="6" name="Slide Number Placeholder 5">
             <a:extLst>
               <a:ext uri="{FF2B5EF4-FFF2-40B4-BE49-F238E27FC236}">
-                <a16:creationId xmlns:a16="http://schemas.microsoft.com/office/drawing/2014/main" id="{2A93158F-A1F3-CCF9-D4E3-1100C5843329}"/>
+                <a16:creationId xmlns:a16="http://schemas.microsoft.com/office/drawing/2014/main" xmlns="" id="{2A93158F-A1F3-CCF9-D4E3-1100C5843329}"/>
               </a:ext>
             </a:extLst>
           </p:cNvPr>
@@ -1051,7 +1051,7 @@
           <p:cNvPr id="2" name="Title 1">
             <a:extLst>
               <a:ext uri="{FF2B5EF4-FFF2-40B4-BE49-F238E27FC236}">
-                <a16:creationId xmlns:a16="http://schemas.microsoft.com/office/drawing/2014/main" id="{371E8CCE-658F-79F7-1398-1B6CA925B6CC}"/>
+                <a16:creationId xmlns:a16="http://schemas.microsoft.com/office/drawing/2014/main" xmlns="" id="{371E8CCE-658F-79F7-1398-1B6CA925B6CC}"/>
               </a:ext>
             </a:extLst>
           </p:cNvPr>
@@ -1088,7 +1088,7 @@
           <p:cNvPr id="3" name="Text Placeholder 2">
             <a:extLst>
               <a:ext uri="{FF2B5EF4-FFF2-40B4-BE49-F238E27FC236}">
-                <a16:creationId xmlns:a16="http://schemas.microsoft.com/office/drawing/2014/main" id="{75476AFD-986A-D080-A391-5F0765043C07}"/>
+                <a16:creationId xmlns:a16="http://schemas.microsoft.com/office/drawing/2014/main" xmlns="" id="{75476AFD-986A-D080-A391-5F0765043C07}"/>
               </a:ext>
             </a:extLst>
           </p:cNvPr>
@@ -1213,7 +1213,7 @@
           <p:cNvPr id="4" name="Date Placeholder 3">
             <a:extLst>
               <a:ext uri="{FF2B5EF4-FFF2-40B4-BE49-F238E27FC236}">
-                <a16:creationId xmlns:a16="http://schemas.microsoft.com/office/drawing/2014/main" id="{F6BA80DA-D12C-3E0D-ACDA-1435B2D34ACE}"/>
+                <a16:creationId xmlns:a16="http://schemas.microsoft.com/office/drawing/2014/main" xmlns="" id="{F6BA80DA-D12C-3E0D-ACDA-1435B2D34ACE}"/>
               </a:ext>
             </a:extLst>
           </p:cNvPr>
@@ -1242,7 +1242,7 @@
           <p:cNvPr id="5" name="Footer Placeholder 4">
             <a:extLst>
               <a:ext uri="{FF2B5EF4-FFF2-40B4-BE49-F238E27FC236}">
-                <a16:creationId xmlns:a16="http://schemas.microsoft.com/office/drawing/2014/main" id="{54DA3D9B-9591-D349-7102-0C90D124C5F1}"/>
+                <a16:creationId xmlns:a16="http://schemas.microsoft.com/office/drawing/2014/main" xmlns="" id="{54DA3D9B-9591-D349-7102-0C90D124C5F1}"/>
               </a:ext>
             </a:extLst>
           </p:cNvPr>
@@ -1267,7 +1267,7 @@
           <p:cNvPr id="6" name="Slide Number Placeholder 5">
             <a:extLst>
               <a:ext uri="{FF2B5EF4-FFF2-40B4-BE49-F238E27FC236}">
-                <a16:creationId xmlns:a16="http://schemas.microsoft.com/office/drawing/2014/main" id="{FD01A0D0-FA92-B485-6233-A9DCFD56E28E}"/>
+                <a16:creationId xmlns:a16="http://schemas.microsoft.com/office/drawing/2014/main" xmlns="" id="{FD01A0D0-FA92-B485-6233-A9DCFD56E28E}"/>
               </a:ext>
             </a:extLst>
           </p:cNvPr>
@@ -1326,7 +1326,7 @@
           <p:cNvPr id="2" name="Title 1">
             <a:extLst>
               <a:ext uri="{FF2B5EF4-FFF2-40B4-BE49-F238E27FC236}">
-                <a16:creationId xmlns:a16="http://schemas.microsoft.com/office/drawing/2014/main" id="{A0FE979D-FBF0-D0A1-CCD7-978A535F5575}"/>
+                <a16:creationId xmlns:a16="http://schemas.microsoft.com/office/drawing/2014/main" xmlns="" id="{A0FE979D-FBF0-D0A1-CCD7-978A535F5575}"/>
               </a:ext>
             </a:extLst>
           </p:cNvPr>
@@ -1354,7 +1354,7 @@
           <p:cNvPr id="3" name="Content Placeholder 2">
             <a:extLst>
               <a:ext uri="{FF2B5EF4-FFF2-40B4-BE49-F238E27FC236}">
-                <a16:creationId xmlns:a16="http://schemas.microsoft.com/office/drawing/2014/main" id="{C49814DA-0B78-61BB-DE25-9F615E64A46D}"/>
+                <a16:creationId xmlns:a16="http://schemas.microsoft.com/office/drawing/2014/main" xmlns="" id="{C49814DA-0B78-61BB-DE25-9F615E64A46D}"/>
               </a:ext>
             </a:extLst>
           </p:cNvPr>
@@ -1416,7 +1416,7 @@
           <p:cNvPr id="4" name="Content Placeholder 3">
             <a:extLst>
               <a:ext uri="{FF2B5EF4-FFF2-40B4-BE49-F238E27FC236}">
-                <a16:creationId xmlns:a16="http://schemas.microsoft.com/office/drawing/2014/main" id="{0FAC3172-CD8E-2397-9AA6-F3C6C58554EA}"/>
+                <a16:creationId xmlns:a16="http://schemas.microsoft.com/office/drawing/2014/main" xmlns="" id="{0FAC3172-CD8E-2397-9AA6-F3C6C58554EA}"/>
               </a:ext>
             </a:extLst>
           </p:cNvPr>
@@ -1478,7 +1478,7 @@
           <p:cNvPr id="5" name="Date Placeholder 4">
             <a:extLst>
               <a:ext uri="{FF2B5EF4-FFF2-40B4-BE49-F238E27FC236}">
-                <a16:creationId xmlns:a16="http://schemas.microsoft.com/office/drawing/2014/main" id="{131A8EB1-6FB0-A2A9-02DB-36F159607B6E}"/>
+                <a16:creationId xmlns:a16="http://schemas.microsoft.com/office/drawing/2014/main" xmlns="" id="{131A8EB1-6FB0-A2A9-02DB-36F159607B6E}"/>
               </a:ext>
             </a:extLst>
           </p:cNvPr>
@@ -1507,7 +1507,7 @@
           <p:cNvPr id="6" name="Footer Placeholder 5">
             <a:extLst>
               <a:ext uri="{FF2B5EF4-FFF2-40B4-BE49-F238E27FC236}">
-                <a16:creationId xmlns:a16="http://schemas.microsoft.com/office/drawing/2014/main" id="{E7959BB0-1CAE-37BE-BA21-B24512CE6EE1}"/>
+                <a16:creationId xmlns:a16="http://schemas.microsoft.com/office/drawing/2014/main" xmlns="" id="{E7959BB0-1CAE-37BE-BA21-B24512CE6EE1}"/>
               </a:ext>
             </a:extLst>
           </p:cNvPr>
@@ -1532,7 +1532,7 @@
           <p:cNvPr id="7" name="Slide Number Placeholder 6">
             <a:extLst>
               <a:ext uri="{FF2B5EF4-FFF2-40B4-BE49-F238E27FC236}">
-                <a16:creationId xmlns:a16="http://schemas.microsoft.com/office/drawing/2014/main" id="{BD1EA2A3-9E52-928B-414C-CBFFAA27455D}"/>
+                <a16:creationId xmlns:a16="http://schemas.microsoft.com/office/drawing/2014/main" xmlns="" id="{BD1EA2A3-9E52-928B-414C-CBFFAA27455D}"/>
               </a:ext>
             </a:extLst>
           </p:cNvPr>
@@ -1591,7 +1591,7 @@
           <p:cNvPr id="2" name="Title 1">
             <a:extLst>
               <a:ext uri="{FF2B5EF4-FFF2-40B4-BE49-F238E27FC236}">
-                <a16:creationId xmlns:a16="http://schemas.microsoft.com/office/drawing/2014/main" id="{585E413A-1B90-C301-ADA6-C2BE18A0E002}"/>
+                <a16:creationId xmlns:a16="http://schemas.microsoft.com/office/drawing/2014/main" xmlns="" id="{585E413A-1B90-C301-ADA6-C2BE18A0E002}"/>
               </a:ext>
             </a:extLst>
           </p:cNvPr>
@@ -1624,7 +1624,7 @@
           <p:cNvPr id="3" name="Text Placeholder 2">
             <a:extLst>
               <a:ext uri="{FF2B5EF4-FFF2-40B4-BE49-F238E27FC236}">
-                <a16:creationId xmlns:a16="http://schemas.microsoft.com/office/drawing/2014/main" id="{351C4D5D-DF6A-7A66-2606-D368A2C2BC23}"/>
+                <a16:creationId xmlns:a16="http://schemas.microsoft.com/office/drawing/2014/main" xmlns="" id="{351C4D5D-DF6A-7A66-2606-D368A2C2BC23}"/>
               </a:ext>
             </a:extLst>
           </p:cNvPr>
@@ -1695,7 +1695,7 @@
           <p:cNvPr id="4" name="Content Placeholder 3">
             <a:extLst>
               <a:ext uri="{FF2B5EF4-FFF2-40B4-BE49-F238E27FC236}">
-                <a16:creationId xmlns:a16="http://schemas.microsoft.com/office/drawing/2014/main" id="{DE1F7F06-F6B1-AD42-1432-EAA2D29B83F6}"/>
+                <a16:creationId xmlns:a16="http://schemas.microsoft.com/office/drawing/2014/main" xmlns="" id="{DE1F7F06-F6B1-AD42-1432-EAA2D29B83F6}"/>
               </a:ext>
             </a:extLst>
           </p:cNvPr>
@@ -1757,7 +1757,7 @@
           <p:cNvPr id="5" name="Text Placeholder 4">
             <a:extLst>
               <a:ext uri="{FF2B5EF4-FFF2-40B4-BE49-F238E27FC236}">
-                <a16:creationId xmlns:a16="http://schemas.microsoft.com/office/drawing/2014/main" id="{07A4B545-812E-45F3-370A-0FCB22528845}"/>
+                <a16:creationId xmlns:a16="http://schemas.microsoft.com/office/drawing/2014/main" xmlns="" id="{07A4B545-812E-45F3-370A-0FCB22528845}"/>
               </a:ext>
             </a:extLst>
           </p:cNvPr>
@@ -1828,7 +1828,7 @@
           <p:cNvPr id="6" name="Content Placeholder 5">
             <a:extLst>
               <a:ext uri="{FF2B5EF4-FFF2-40B4-BE49-F238E27FC236}">
-                <a16:creationId xmlns:a16="http://schemas.microsoft.com/office/drawing/2014/main" id="{74BF107A-2549-42CF-6F45-68D92092171D}"/>
+                <a16:creationId xmlns:a16="http://schemas.microsoft.com/office/drawing/2014/main" xmlns="" id="{74BF107A-2549-42CF-6F45-68D92092171D}"/>
               </a:ext>
             </a:extLst>
           </p:cNvPr>
@@ -1890,7 +1890,7 @@
           <p:cNvPr id="7" name="Date Placeholder 6">
             <a:extLst>
               <a:ext uri="{FF2B5EF4-FFF2-40B4-BE49-F238E27FC236}">
-                <a16:creationId xmlns:a16="http://schemas.microsoft.com/office/drawing/2014/main" id="{847DBA75-602B-B78C-FD01-8C07DD1E42B8}"/>
+                <a16:creationId xmlns:a16="http://schemas.microsoft.com/office/drawing/2014/main" xmlns="" id="{847DBA75-602B-B78C-FD01-8C07DD1E42B8}"/>
               </a:ext>
             </a:extLst>
           </p:cNvPr>
@@ -1919,7 +1919,7 @@
           <p:cNvPr id="8" name="Footer Placeholder 7">
             <a:extLst>
               <a:ext uri="{FF2B5EF4-FFF2-40B4-BE49-F238E27FC236}">
-                <a16:creationId xmlns:a16="http://schemas.microsoft.com/office/drawing/2014/main" id="{1E367416-6FDF-0A5C-8268-75BADF42D200}"/>
+                <a16:creationId xmlns:a16="http://schemas.microsoft.com/office/drawing/2014/main" xmlns="" id="{1E367416-6FDF-0A5C-8268-75BADF42D200}"/>
               </a:ext>
             </a:extLst>
           </p:cNvPr>
@@ -1944,7 +1944,7 @@
           <p:cNvPr id="9" name="Slide Number Placeholder 8">
             <a:extLst>
               <a:ext uri="{FF2B5EF4-FFF2-40B4-BE49-F238E27FC236}">
-                <a16:creationId xmlns:a16="http://schemas.microsoft.com/office/drawing/2014/main" id="{4B4A1E65-6242-BBBF-379B-376E3800D87E}"/>
+                <a16:creationId xmlns:a16="http://schemas.microsoft.com/office/drawing/2014/main" xmlns="" id="{4B4A1E65-6242-BBBF-379B-376E3800D87E}"/>
               </a:ext>
             </a:extLst>
           </p:cNvPr>
@@ -2003,7 +2003,7 @@
           <p:cNvPr id="2" name="Title 1">
             <a:extLst>
               <a:ext uri="{FF2B5EF4-FFF2-40B4-BE49-F238E27FC236}">
-                <a16:creationId xmlns:a16="http://schemas.microsoft.com/office/drawing/2014/main" id="{DD19C786-C9C5-CB62-4B77-7E8B557FF3CD}"/>
+                <a16:creationId xmlns:a16="http://schemas.microsoft.com/office/drawing/2014/main" xmlns="" id="{DD19C786-C9C5-CB62-4B77-7E8B557FF3CD}"/>
               </a:ext>
             </a:extLst>
           </p:cNvPr>
@@ -2031,7 +2031,7 @@
           <p:cNvPr id="3" name="Date Placeholder 2">
             <a:extLst>
               <a:ext uri="{FF2B5EF4-FFF2-40B4-BE49-F238E27FC236}">
-                <a16:creationId xmlns:a16="http://schemas.microsoft.com/office/drawing/2014/main" id="{A927A442-18A9-A89D-2A67-C78358A090BF}"/>
+                <a16:creationId xmlns:a16="http://schemas.microsoft.com/office/drawing/2014/main" xmlns="" id="{A927A442-18A9-A89D-2A67-C78358A090BF}"/>
               </a:ext>
             </a:extLst>
           </p:cNvPr>
@@ -2060,7 +2060,7 @@
           <p:cNvPr id="4" name="Footer Placeholder 3">
             <a:extLst>
               <a:ext uri="{FF2B5EF4-FFF2-40B4-BE49-F238E27FC236}">
-                <a16:creationId xmlns:a16="http://schemas.microsoft.com/office/drawing/2014/main" id="{468DAC15-25F7-01B1-59D7-391672DD2025}"/>
+                <a16:creationId xmlns:a16="http://schemas.microsoft.com/office/drawing/2014/main" xmlns="" id="{468DAC15-25F7-01B1-59D7-391672DD2025}"/>
               </a:ext>
             </a:extLst>
           </p:cNvPr>
@@ -2085,7 +2085,7 @@
           <p:cNvPr id="5" name="Slide Number Placeholder 4">
             <a:extLst>
               <a:ext uri="{FF2B5EF4-FFF2-40B4-BE49-F238E27FC236}">
-                <a16:creationId xmlns:a16="http://schemas.microsoft.com/office/drawing/2014/main" id="{333957A5-B756-ADE0-104E-96BB883CB692}"/>
+                <a16:creationId xmlns:a16="http://schemas.microsoft.com/office/drawing/2014/main" xmlns="" id="{333957A5-B756-ADE0-104E-96BB883CB692}"/>
               </a:ext>
             </a:extLst>
           </p:cNvPr>
@@ -2144,7 +2144,7 @@
           <p:cNvPr id="2" name="Date Placeholder 1">
             <a:extLst>
               <a:ext uri="{FF2B5EF4-FFF2-40B4-BE49-F238E27FC236}">
-                <a16:creationId xmlns:a16="http://schemas.microsoft.com/office/drawing/2014/main" id="{AD5E8BED-6657-F3E9-4D35-F1311550A4CD}"/>
+                <a16:creationId xmlns:a16="http://schemas.microsoft.com/office/drawing/2014/main" xmlns="" id="{AD5E8BED-6657-F3E9-4D35-F1311550A4CD}"/>
               </a:ext>
             </a:extLst>
           </p:cNvPr>
@@ -2173,7 +2173,7 @@
           <p:cNvPr id="3" name="Footer Placeholder 2">
             <a:extLst>
               <a:ext uri="{FF2B5EF4-FFF2-40B4-BE49-F238E27FC236}">
-                <a16:creationId xmlns:a16="http://schemas.microsoft.com/office/drawing/2014/main" id="{41EEC56E-00A4-36EC-149A-736C8D855B85}"/>
+                <a16:creationId xmlns:a16="http://schemas.microsoft.com/office/drawing/2014/main" xmlns="" id="{41EEC56E-00A4-36EC-149A-736C8D855B85}"/>
               </a:ext>
             </a:extLst>
           </p:cNvPr>
@@ -2198,7 +2198,7 @@
           <p:cNvPr id="4" name="Slide Number Placeholder 3">
             <a:extLst>
               <a:ext uri="{FF2B5EF4-FFF2-40B4-BE49-F238E27FC236}">
-                <a16:creationId xmlns:a16="http://schemas.microsoft.com/office/drawing/2014/main" id="{554D880D-7622-18CF-87C7-F2BA94587BEE}"/>
+                <a16:creationId xmlns:a16="http://schemas.microsoft.com/office/drawing/2014/main" xmlns="" id="{554D880D-7622-18CF-87C7-F2BA94587BEE}"/>
               </a:ext>
             </a:extLst>
           </p:cNvPr>
@@ -2257,7 +2257,7 @@
           <p:cNvPr id="2" name="Title 1">
             <a:extLst>
               <a:ext uri="{FF2B5EF4-FFF2-40B4-BE49-F238E27FC236}">
-                <a16:creationId xmlns:a16="http://schemas.microsoft.com/office/drawing/2014/main" id="{100A86BB-1CCA-6F9B-BFE0-FB5DED510102}"/>
+                <a16:creationId xmlns:a16="http://schemas.microsoft.com/office/drawing/2014/main" xmlns="" id="{100A86BB-1CCA-6F9B-BFE0-FB5DED510102}"/>
               </a:ext>
             </a:extLst>
           </p:cNvPr>
@@ -2294,7 +2294,7 @@
           <p:cNvPr id="3" name="Content Placeholder 2">
             <a:extLst>
               <a:ext uri="{FF2B5EF4-FFF2-40B4-BE49-F238E27FC236}">
-                <a16:creationId xmlns:a16="http://schemas.microsoft.com/office/drawing/2014/main" id="{91DBD2D1-C883-4B7D-1389-F94CCAC64344}"/>
+                <a16:creationId xmlns:a16="http://schemas.microsoft.com/office/drawing/2014/main" xmlns="" id="{91DBD2D1-C883-4B7D-1389-F94CCAC64344}"/>
               </a:ext>
             </a:extLst>
           </p:cNvPr>
@@ -2384,7 +2384,7 @@
           <p:cNvPr id="4" name="Text Placeholder 3">
             <a:extLst>
               <a:ext uri="{FF2B5EF4-FFF2-40B4-BE49-F238E27FC236}">
-                <a16:creationId xmlns:a16="http://schemas.microsoft.com/office/drawing/2014/main" id="{B17ABF9C-DC5E-B83F-2E90-54181979DCED}"/>
+                <a16:creationId xmlns:a16="http://schemas.microsoft.com/office/drawing/2014/main" xmlns="" id="{B17ABF9C-DC5E-B83F-2E90-54181979DCED}"/>
               </a:ext>
             </a:extLst>
           </p:cNvPr>
@@ -2455,7 +2455,7 @@
           <p:cNvPr id="5" name="Date Placeholder 4">
             <a:extLst>
               <a:ext uri="{FF2B5EF4-FFF2-40B4-BE49-F238E27FC236}">
-                <a16:creationId xmlns:a16="http://schemas.microsoft.com/office/drawing/2014/main" id="{2C43730C-C798-24C9-A795-1F5650E34365}"/>
+                <a16:creationId xmlns:a16="http://schemas.microsoft.com/office/drawing/2014/main" xmlns="" id="{2C43730C-C798-24C9-A795-1F5650E34365}"/>
               </a:ext>
             </a:extLst>
           </p:cNvPr>
@@ -2484,7 +2484,7 @@
           <p:cNvPr id="6" name="Footer Placeholder 5">
             <a:extLst>
               <a:ext uri="{FF2B5EF4-FFF2-40B4-BE49-F238E27FC236}">
-                <a16:creationId xmlns:a16="http://schemas.microsoft.com/office/drawing/2014/main" id="{5755F943-F770-A0B8-9616-EF7D7524856D}"/>
+                <a16:creationId xmlns:a16="http://schemas.microsoft.com/office/drawing/2014/main" xmlns="" id="{5755F943-F770-A0B8-9616-EF7D7524856D}"/>
               </a:ext>
             </a:extLst>
           </p:cNvPr>
@@ -2509,7 +2509,7 @@
           <p:cNvPr id="7" name="Slide Number Placeholder 6">
             <a:extLst>
               <a:ext uri="{FF2B5EF4-FFF2-40B4-BE49-F238E27FC236}">
-                <a16:creationId xmlns:a16="http://schemas.microsoft.com/office/drawing/2014/main" id="{D472A2EC-AEC0-BFBE-2978-3B839C80EF83}"/>
+                <a16:creationId xmlns:a16="http://schemas.microsoft.com/office/drawing/2014/main" xmlns="" id="{D472A2EC-AEC0-BFBE-2978-3B839C80EF83}"/>
               </a:ext>
             </a:extLst>
           </p:cNvPr>
@@ -2568,7 +2568,7 @@
           <p:cNvPr id="2" name="Title 1">
             <a:extLst>
               <a:ext uri="{FF2B5EF4-FFF2-40B4-BE49-F238E27FC236}">
-                <a16:creationId xmlns:a16="http://schemas.microsoft.com/office/drawing/2014/main" id="{CF526757-22CA-8255-DC19-CF231FE3B8D6}"/>
+                <a16:creationId xmlns:a16="http://schemas.microsoft.com/office/drawing/2014/main" xmlns="" id="{CF526757-22CA-8255-DC19-CF231FE3B8D6}"/>
               </a:ext>
             </a:extLst>
           </p:cNvPr>
@@ -2605,7 +2605,7 @@
           <p:cNvPr id="3" name="Picture Placeholder 2">
             <a:extLst>
               <a:ext uri="{FF2B5EF4-FFF2-40B4-BE49-F238E27FC236}">
-                <a16:creationId xmlns:a16="http://schemas.microsoft.com/office/drawing/2014/main" id="{1E95B944-80E1-10CB-22FE-417747683367}"/>
+                <a16:creationId xmlns:a16="http://schemas.microsoft.com/office/drawing/2014/main" xmlns="" id="{1E95B944-80E1-10CB-22FE-417747683367}"/>
               </a:ext>
             </a:extLst>
           </p:cNvPr>
@@ -2672,7 +2672,7 @@
           <p:cNvPr id="4" name="Text Placeholder 3">
             <a:extLst>
               <a:ext uri="{FF2B5EF4-FFF2-40B4-BE49-F238E27FC236}">
-                <a16:creationId xmlns:a16="http://schemas.microsoft.com/office/drawing/2014/main" id="{6AE81C74-2104-D23B-FFCC-36635B141A3F}"/>
+                <a16:creationId xmlns:a16="http://schemas.microsoft.com/office/drawing/2014/main" xmlns="" id="{6AE81C74-2104-D23B-FFCC-36635B141A3F}"/>
               </a:ext>
             </a:extLst>
           </p:cNvPr>
@@ -2743,7 +2743,7 @@
           <p:cNvPr id="5" name="Date Placeholder 4">
             <a:extLst>
               <a:ext uri="{FF2B5EF4-FFF2-40B4-BE49-F238E27FC236}">
-                <a16:creationId xmlns:a16="http://schemas.microsoft.com/office/drawing/2014/main" id="{AC7F0066-A3B7-68B1-E35A-C45F1524B4D9}"/>
+                <a16:creationId xmlns:a16="http://schemas.microsoft.com/office/drawing/2014/main" xmlns="" id="{AC7F0066-A3B7-68B1-E35A-C45F1524B4D9}"/>
               </a:ext>
             </a:extLst>
           </p:cNvPr>
@@ -2772,7 +2772,7 @@
           <p:cNvPr id="6" name="Footer Placeholder 5">
             <a:extLst>
               <a:ext uri="{FF2B5EF4-FFF2-40B4-BE49-F238E27FC236}">
-                <a16:creationId xmlns:a16="http://schemas.microsoft.com/office/drawing/2014/main" id="{D0E61CC4-8472-9057-EF26-0C7EFD647B65}"/>
+                <a16:creationId xmlns:a16="http://schemas.microsoft.com/office/drawing/2014/main" xmlns="" id="{D0E61CC4-8472-9057-EF26-0C7EFD647B65}"/>
               </a:ext>
             </a:extLst>
           </p:cNvPr>
@@ -2797,7 +2797,7 @@
           <p:cNvPr id="7" name="Slide Number Placeholder 6">
             <a:extLst>
               <a:ext uri="{FF2B5EF4-FFF2-40B4-BE49-F238E27FC236}">
-                <a16:creationId xmlns:a16="http://schemas.microsoft.com/office/drawing/2014/main" id="{19DD7A11-F1DB-4682-50A4-84FB322FEBCB}"/>
+                <a16:creationId xmlns:a16="http://schemas.microsoft.com/office/drawing/2014/main" xmlns="" id="{19DD7A11-F1DB-4682-50A4-84FB322FEBCB}"/>
               </a:ext>
             </a:extLst>
           </p:cNvPr>
@@ -2861,7 +2861,7 @@
           <p:cNvPr id="2" name="Title Placeholder 1">
             <a:extLst>
               <a:ext uri="{FF2B5EF4-FFF2-40B4-BE49-F238E27FC236}">
-                <a16:creationId xmlns:a16="http://schemas.microsoft.com/office/drawing/2014/main" id="{B1E6362E-37AA-6B5D-B278-3354E5D620D0}"/>
+                <a16:creationId xmlns:a16="http://schemas.microsoft.com/office/drawing/2014/main" xmlns="" id="{B1E6362E-37AA-6B5D-B278-3354E5D620D0}"/>
               </a:ext>
             </a:extLst>
           </p:cNvPr>
@@ -2899,7 +2899,7 @@
           <p:cNvPr id="3" name="Text Placeholder 2">
             <a:extLst>
               <a:ext uri="{FF2B5EF4-FFF2-40B4-BE49-F238E27FC236}">
-                <a16:creationId xmlns:a16="http://schemas.microsoft.com/office/drawing/2014/main" id="{A473846E-C664-F63B-9162-CCDFA066E96C}"/>
+                <a16:creationId xmlns:a16="http://schemas.microsoft.com/office/drawing/2014/main" xmlns="" id="{A473846E-C664-F63B-9162-CCDFA066E96C}"/>
               </a:ext>
             </a:extLst>
           </p:cNvPr>
@@ -2966,7 +2966,7 @@
           <p:cNvPr id="4" name="Date Placeholder 3">
             <a:extLst>
               <a:ext uri="{FF2B5EF4-FFF2-40B4-BE49-F238E27FC236}">
-                <a16:creationId xmlns:a16="http://schemas.microsoft.com/office/drawing/2014/main" id="{E7ABB187-CF2C-4C5B-2215-CD5509BB4227}"/>
+                <a16:creationId xmlns:a16="http://schemas.microsoft.com/office/drawing/2014/main" xmlns="" id="{E7ABB187-CF2C-4C5B-2215-CD5509BB4227}"/>
               </a:ext>
             </a:extLst>
           </p:cNvPr>
@@ -3013,7 +3013,7 @@
           <p:cNvPr id="5" name="Footer Placeholder 4">
             <a:extLst>
               <a:ext uri="{FF2B5EF4-FFF2-40B4-BE49-F238E27FC236}">
-                <a16:creationId xmlns:a16="http://schemas.microsoft.com/office/drawing/2014/main" id="{8D8D1481-F0E9-7E1C-686F-156EED299497}"/>
+                <a16:creationId xmlns:a16="http://schemas.microsoft.com/office/drawing/2014/main" xmlns="" id="{8D8D1481-F0E9-7E1C-686F-156EED299497}"/>
               </a:ext>
             </a:extLst>
           </p:cNvPr>
@@ -3056,7 +3056,7 @@
           <p:cNvPr id="6" name="Slide Number Placeholder 5">
             <a:extLst>
               <a:ext uri="{FF2B5EF4-FFF2-40B4-BE49-F238E27FC236}">
-                <a16:creationId xmlns:a16="http://schemas.microsoft.com/office/drawing/2014/main" id="{9B77B1E0-9493-AF7A-C280-5117F7DE1EAB}"/>
+                <a16:creationId xmlns:a16="http://schemas.microsoft.com/office/drawing/2014/main" xmlns="" id="{9B77B1E0-9493-AF7A-C280-5117F7DE1EAB}"/>
               </a:ext>
             </a:extLst>
           </p:cNvPr>
@@ -3424,7 +3424,7 @@
           <p:cNvPr id="2" name="Title 1">
             <a:extLst>
               <a:ext uri="{FF2B5EF4-FFF2-40B4-BE49-F238E27FC236}">
-                <a16:creationId xmlns:a16="http://schemas.microsoft.com/office/drawing/2014/main" id="{419AA5D5-5EBF-D904-F18F-34D2542E5284}"/>
+                <a16:creationId xmlns:a16="http://schemas.microsoft.com/office/drawing/2014/main" xmlns="" id="{419AA5D5-5EBF-D904-F18F-34D2542E5284}"/>
               </a:ext>
             </a:extLst>
           </p:cNvPr>
@@ -3466,7 +3466,7 @@
           <p:cNvPr id="3" name="Subtitle 2">
             <a:extLst>
               <a:ext uri="{FF2B5EF4-FFF2-40B4-BE49-F238E27FC236}">
-                <a16:creationId xmlns:a16="http://schemas.microsoft.com/office/drawing/2014/main" id="{3D2C3D82-4EAC-1DD6-21DD-DC61A8A4AF65}"/>
+                <a16:creationId xmlns:a16="http://schemas.microsoft.com/office/drawing/2014/main" xmlns="" id="{3D2C3D82-4EAC-1DD6-21DD-DC61A8A4AF65}"/>
               </a:ext>
             </a:extLst>
           </p:cNvPr>
@@ -3524,7 +3524,7 @@
           <p:cNvPr id="2" name="Picture 1">
             <a:extLst>
               <a:ext uri="{FF2B5EF4-FFF2-40B4-BE49-F238E27FC236}">
-                <a16:creationId xmlns:a16="http://schemas.microsoft.com/office/drawing/2014/main" id="{120D64F4-2DE4-C2F7-E5A0-6F7B8D2097E0}"/>
+                <a16:creationId xmlns:a16="http://schemas.microsoft.com/office/drawing/2014/main" xmlns="" id="{120D64F4-2DE4-C2F7-E5A0-6F7B8D2097E0}"/>
               </a:ext>
             </a:extLst>
           </p:cNvPr>
@@ -3584,7 +3584,7 @@
           <p:cNvPr id="3" name="Picture 2">
             <a:extLst>
               <a:ext uri="{FF2B5EF4-FFF2-40B4-BE49-F238E27FC236}">
-                <a16:creationId xmlns:a16="http://schemas.microsoft.com/office/drawing/2014/main" id="{65EFD496-7128-AC6B-5613-9CAEBB84F685}"/>
+                <a16:creationId xmlns:a16="http://schemas.microsoft.com/office/drawing/2014/main" xmlns="" id="{65EFD496-7128-AC6B-5613-9CAEBB84F685}"/>
               </a:ext>
             </a:extLst>
           </p:cNvPr>
@@ -3644,7 +3644,7 @@
           <p:cNvPr id="4" name="Picture 3">
             <a:extLst>
               <a:ext uri="{FF2B5EF4-FFF2-40B4-BE49-F238E27FC236}">
-                <a16:creationId xmlns:a16="http://schemas.microsoft.com/office/drawing/2014/main" id="{4F94F69F-D1B5-596D-C91D-CFCEB7B1663D}"/>
+                <a16:creationId xmlns:a16="http://schemas.microsoft.com/office/drawing/2014/main" xmlns="" id="{4F94F69F-D1B5-596D-C91D-CFCEB7B1663D}"/>
               </a:ext>
             </a:extLst>
           </p:cNvPr>
@@ -3676,7 +3676,7 @@
               <p14:cNvPr id="5" name="Ink 4">
                 <a:extLst>
                   <a:ext uri="{FF2B5EF4-FFF2-40B4-BE49-F238E27FC236}">
-                    <a16:creationId xmlns:a16="http://schemas.microsoft.com/office/drawing/2014/main" id="{CAE5744F-1E8C-FA06-D19E-D8E0E922F16E}"/>
+                    <a16:creationId xmlns:a16="http://schemas.microsoft.com/office/drawing/2014/main" xmlns="" id="{CAE5744F-1E8C-FA06-D19E-D8E0E922F16E}"/>
                   </a:ext>
                 </a:extLst>
               </p14:cNvPr>
@@ -3727,7 +3727,7 @@
               <p14:cNvPr id="6" name="Ink 5">
                 <a:extLst>
                   <a:ext uri="{FF2B5EF4-FFF2-40B4-BE49-F238E27FC236}">
-                    <a16:creationId xmlns:a16="http://schemas.microsoft.com/office/drawing/2014/main" id="{86110B8E-3B85-4A38-D9D5-819FA308CDEB}"/>
+                    <a16:creationId xmlns:a16="http://schemas.microsoft.com/office/drawing/2014/main" xmlns="" id="{86110B8E-3B85-4A38-D9D5-819FA308CDEB}"/>
                   </a:ext>
                 </a:extLst>
               </p14:cNvPr>
@@ -3778,7 +3778,7 @@
               <p14:cNvPr id="7" name="Ink 6">
                 <a:extLst>
                   <a:ext uri="{FF2B5EF4-FFF2-40B4-BE49-F238E27FC236}">
-                    <a16:creationId xmlns:a16="http://schemas.microsoft.com/office/drawing/2014/main" id="{EF74979C-50E6-64CB-7E02-76C514544E71}"/>
+                    <a16:creationId xmlns:a16="http://schemas.microsoft.com/office/drawing/2014/main" xmlns="" id="{EF74979C-50E6-64CB-7E02-76C514544E71}"/>
                   </a:ext>
                 </a:extLst>
               </p14:cNvPr>
@@ -3857,7 +3857,7 @@
           <p:cNvPr id="2" name="Picture 1">
             <a:extLst>
               <a:ext uri="{FF2B5EF4-FFF2-40B4-BE49-F238E27FC236}">
-                <a16:creationId xmlns:a16="http://schemas.microsoft.com/office/drawing/2014/main" id="{A48BFBFE-79C9-A446-B1B8-EB83040DDFC1}"/>
+                <a16:creationId xmlns:a16="http://schemas.microsoft.com/office/drawing/2014/main" xmlns="" id="{A48BFBFE-79C9-A446-B1B8-EB83040DDFC1}"/>
               </a:ext>
             </a:extLst>
           </p:cNvPr>
@@ -3912,14 +3912,14 @@
           <a:chExt cx="0" cy="0"/>
         </a:xfrm>
       </p:grpSpPr>
-      <mc:AlternateContent xmlns:mc="http://schemas.openxmlformats.org/markup-compatibility/2006">
-        <mc:Choice xmlns:a14="http://schemas.microsoft.com/office/drawing/2010/main" Requires="a14">
+      <mc:AlternateContent xmlns:mc="http://schemas.openxmlformats.org/markup-compatibility/2006" xmlns:a14="http://schemas.microsoft.com/office/drawing/2010/main">
+        <mc:Choice Requires="a14">
           <p:sp>
             <p:nvSpPr>
               <p:cNvPr id="2" name="TextBox 1">
                 <a:extLst>
                   <a:ext uri="{FF2B5EF4-FFF2-40B4-BE49-F238E27FC236}">
-                    <a16:creationId xmlns:a16="http://schemas.microsoft.com/office/drawing/2014/main" id="{4B8A45B9-19F8-FCB4-8165-F46A6F61B4CD}"/>
+                    <a16:creationId xmlns:a16="http://schemas.microsoft.com/office/drawing/2014/main" xmlns="" id="{4B8A45B9-19F8-FCB4-8165-F46A6F61B4CD}"/>
                   </a:ext>
                 </a:extLst>
               </p:cNvPr>
@@ -3942,6 +3942,7 @@
               </a:bodyPr>
               <a:lstStyle/>
               <a:p>
+                <a:pPr/>
                 <a14:m>
                   <m:oMathPara xmlns:m="http://schemas.openxmlformats.org/officeDocument/2006/math">
                     <m:oMathParaPr>
@@ -3952,7 +3953,7 @@
                         <m:sSupPr>
                           <m:ctrlPr>
                             <a:rPr lang="en-US" sz="4400" b="1" i="1">
-                              <a:latin typeface="Cambria Math" panose="02040503050406030204" pitchFamily="18" charset="0"/>
+                              <a:latin typeface="Cambria Math"/>
                             </a:rPr>
                           </m:ctrlPr>
                         </m:sSupPr>
@@ -3967,7 +3968,7 @@
                             <m:dPr>
                               <m:ctrlPr>
                                 <a:rPr lang="en-US" sz="4400" b="1" i="1">
-                                  <a:latin typeface="Cambria Math" panose="02040503050406030204" pitchFamily="18" charset="0"/>
+                                  <a:latin typeface="Cambria Math"/>
                                 </a:rPr>
                               </m:ctrlPr>
                             </m:dPr>
@@ -4018,7 +4019,7 @@
                         <m:sSupPr>
                           <m:ctrlPr>
                             <a:rPr lang="en-US" sz="4400" b="1" i="1">
-                              <a:latin typeface="Cambria Math" panose="02040503050406030204" pitchFamily="18" charset="0"/>
+                              <a:latin typeface="Cambria Math"/>
                             </a:rPr>
                           </m:ctrlPr>
                         </m:sSupPr>
@@ -4077,7 +4078,7 @@
             </p:txBody>
           </p:sp>
         </mc:Choice>
-        <mc:Fallback>
+        <mc:Fallback xmlns="">
           <p:sp>
             <p:nvSpPr>
               <p:cNvPr id="2" name="TextBox 1">
@@ -4127,7 +4128,7 @@
           <p:cNvPr id="3" name="TextBox 2">
             <a:extLst>
               <a:ext uri="{FF2B5EF4-FFF2-40B4-BE49-F238E27FC236}">
-                <a16:creationId xmlns:a16="http://schemas.microsoft.com/office/drawing/2014/main" id="{EB545108-DCBC-B9A7-C163-45455D54846A}"/>
+                <a16:creationId xmlns:a16="http://schemas.microsoft.com/office/drawing/2014/main" xmlns="" id="{EB545108-DCBC-B9A7-C163-45455D54846A}"/>
               </a:ext>
             </a:extLst>
           </p:cNvPr>
@@ -4136,8 +4137,8 @@
         </p:nvSpPr>
         <p:spPr>
           <a:xfrm>
-            <a:off x="2952222" y="1828800"/>
-            <a:ext cx="6287555" cy="2031325"/>
+            <a:off x="2061818" y="1828800"/>
+            <a:ext cx="9652579" cy="2677656"/>
           </a:xfrm>
           <a:prstGeom prst="rect">
             <a:avLst/>
@@ -4154,9 +4155,14 @@
               <a:buAutoNum type="alphaLcParenR"/>
             </a:pPr>
             <a:r>
-              <a:rPr lang="en-US" dirty="0"/>
-              <a:t>Check whether the function is increasing or decreasing at x=5</a:t>
-            </a:r>
+              <a:rPr lang="en-US" sz="2800" b="1" dirty="0"/>
+              <a:t>Check whether the function is increasing or decreasing at </a:t>
+            </a:r>
+            <a:r>
+              <a:rPr lang="en-US" sz="2800" b="1" dirty="0" smtClean="0"/>
+              <a:t>x=5</a:t>
+            </a:r>
+            <a:endParaRPr lang="en-US" sz="2800" b="1" dirty="0"/>
           </a:p>
           <a:p>
             <a:pPr marL="342900" indent="-342900">
@@ -4164,41 +4170,40 @@
               <a:buAutoNum type="alphaLcParenR"/>
             </a:pPr>
             <a:r>
-              <a:rPr lang="en-US" dirty="0"/>
-              <a:t>Check whether the function is increasing or decreasing at x=7</a:t>
-            </a:r>
-          </a:p>
-          <a:p>
-            <a:pPr marL="342900" indent="-342900">
-              <a:buAutoNum type="alphaLcParenR"/>
-            </a:pPr>
-            <a:endParaRPr lang="en-US" dirty="0"/>
-          </a:p>
-          <a:p>
-            <a:r>
-              <a:rPr lang="en-US" dirty="0"/>
+              <a:rPr lang="en-US" sz="2800" b="1" dirty="0"/>
+              <a:t>Check whether the function is increasing or decreasing at </a:t>
+            </a:r>
+            <a:r>
+              <a:rPr lang="en-US" sz="2800" b="1" dirty="0" smtClean="0"/>
+              <a:t>x=7</a:t>
+            </a:r>
+            <a:endParaRPr lang="en-US" sz="2800" b="1" dirty="0"/>
+          </a:p>
+          <a:p>
+            <a:r>
+              <a:rPr lang="en-US" sz="2800" b="1" dirty="0"/>
               <a:t>c) Find the value of x where maximum value can be found.</a:t>
             </a:r>
           </a:p>
           <a:p>
             <a:r>
-              <a:rPr lang="en-US" dirty="0"/>
+              <a:rPr lang="en-US" sz="2800" b="1" dirty="0"/>
               <a:t>d)Find the interval where the function is increasing</a:t>
             </a:r>
           </a:p>
           <a:p>
             <a:r>
-              <a:rPr lang="en-US" dirty="0"/>
+              <a:rPr lang="en-US" sz="2800" b="1" dirty="0"/>
               <a:t>e) Find the interval where the function is </a:t>
             </a:r>
             <a:r>
-              <a:rPr lang="en-US" dirty="0" err="1"/>
+              <a:rPr lang="en-US" sz="2800" b="1" dirty="0" err="1"/>
               <a:t>decresing</a:t>
             </a:r>
-            <a:endParaRPr lang="en-US" dirty="0"/>
-          </a:p>
-          <a:p>
-            <a:endParaRPr lang="en-US" dirty="0"/>
+            <a:endParaRPr lang="en-US" sz="2800" b="1" dirty="0"/>
+          </a:p>
+          <a:p>
+            <a:endParaRPr lang="en-US" sz="2800" dirty="0"/>
           </a:p>
         </p:txBody>
       </p:sp>
@@ -4237,7 +4242,7 @@
           <p:cNvPr id="2" name="Picture 1">
             <a:extLst>
               <a:ext uri="{FF2B5EF4-FFF2-40B4-BE49-F238E27FC236}">
-                <a16:creationId xmlns:a16="http://schemas.microsoft.com/office/drawing/2014/main" id="{EE7EE71A-DA4D-67A8-A93F-381C6FDEE94B}"/>
+                <a16:creationId xmlns:a16="http://schemas.microsoft.com/office/drawing/2014/main" xmlns="" id="{EE7EE71A-DA4D-67A8-A93F-381C6FDEE94B}"/>
               </a:ext>
             </a:extLst>
           </p:cNvPr>
@@ -4297,7 +4302,7 @@
           <p:cNvPr id="4" name="Picture 3">
             <a:extLst>
               <a:ext uri="{FF2B5EF4-FFF2-40B4-BE49-F238E27FC236}">
-                <a16:creationId xmlns:a16="http://schemas.microsoft.com/office/drawing/2014/main" id="{FBA4B5D2-F5A2-A250-C911-9606768E2546}"/>
+                <a16:creationId xmlns:a16="http://schemas.microsoft.com/office/drawing/2014/main" xmlns="" id="{FBA4B5D2-F5A2-A250-C911-9606768E2546}"/>
               </a:ext>
             </a:extLst>
           </p:cNvPr>
@@ -4357,7 +4362,7 @@
           <p:cNvPr id="2" name="Picture 1">
             <a:extLst>
               <a:ext uri="{FF2B5EF4-FFF2-40B4-BE49-F238E27FC236}">
-                <a16:creationId xmlns:a16="http://schemas.microsoft.com/office/drawing/2014/main" id="{911B650D-2F1D-FB8A-0F6C-4519D6AB1110}"/>
+                <a16:creationId xmlns:a16="http://schemas.microsoft.com/office/drawing/2014/main" xmlns="" id="{911B650D-2F1D-FB8A-0F6C-4519D6AB1110}"/>
               </a:ext>
             </a:extLst>
           </p:cNvPr>
@@ -4417,7 +4422,7 @@
           <p:cNvPr id="4" name="Picture 3">
             <a:extLst>
               <a:ext uri="{FF2B5EF4-FFF2-40B4-BE49-F238E27FC236}">
-                <a16:creationId xmlns:a16="http://schemas.microsoft.com/office/drawing/2014/main" id="{D4ADA4AF-99E2-A58D-E5DA-EEFEC3EF8591}"/>
+                <a16:creationId xmlns:a16="http://schemas.microsoft.com/office/drawing/2014/main" xmlns="" id="{D4ADA4AF-99E2-A58D-E5DA-EEFEC3EF8591}"/>
               </a:ext>
             </a:extLst>
           </p:cNvPr>
@@ -4477,7 +4482,7 @@
           <p:cNvPr id="3" name="Picture 2">
             <a:extLst>
               <a:ext uri="{FF2B5EF4-FFF2-40B4-BE49-F238E27FC236}">
-                <a16:creationId xmlns:a16="http://schemas.microsoft.com/office/drawing/2014/main" id="{BC784896-BE60-07CE-3359-71F83D04ABFB}"/>
+                <a16:creationId xmlns:a16="http://schemas.microsoft.com/office/drawing/2014/main" xmlns="" id="{BC784896-BE60-07CE-3359-71F83D04ABFB}"/>
               </a:ext>
             </a:extLst>
           </p:cNvPr>
@@ -4558,7 +4563,7 @@
     </a:clrScheme>
     <a:fontScheme name="Office">
       <a:majorFont>
-        <a:latin typeface="Calibri Light" panose="020F0302020204030204"/>
+        <a:latin typeface="Calibri Light"/>
         <a:ea typeface=""/>
         <a:cs typeface=""/>
         <a:font script="Jpan" typeface="游ゴシック Light"/>
@@ -4610,7 +4615,7 @@
         <a:font script="Tfng" typeface="Ebrima"/>
       </a:majorFont>
       <a:minorFont>
-        <a:latin typeface="Calibri" panose="020F0502020204030204"/>
+        <a:latin typeface="Calibri"/>
         <a:ea typeface=""/>
         <a:cs typeface=""/>
         <a:font script="Jpan" typeface="游ゴシック"/>
@@ -4804,7 +4809,7 @@
   <a:extraClrSchemeLst/>
   <a:extLst>
     <a:ext uri="{05A4C25C-085E-4340-85A3-A5531E510DB2}">
-      <thm15:themeFamily xmlns:thm15="http://schemas.microsoft.com/office/thememl/2012/main" name="Office Theme" id="{62F939B6-93AF-4DB8-9C6B-D6C7DFDC589F}" vid="{4A3C46E8-61CC-4603-A589-7422A47A8E4A}"/>
+      <thm15:themeFamily xmlns:thm15="http://schemas.microsoft.com/office/thememl/2012/main" xmlns="" name="Office Theme" id="{62F939B6-93AF-4DB8-9C6B-D6C7DFDC589F}" vid="{4A3C46E8-61CC-4603-A589-7422A47A8E4A}"/>
     </a:ext>
   </a:extLst>
 </a:theme>
